--- a/DoAnCuoiKy/SoDoKhoi/SoDoKhoi.pptx
+++ b/DoAnCuoiKy/SoDoKhoi/SoDoKhoi.pptx
@@ -5,10 +5,14 @@
     <p:sldMasterId id="2147483648" r:id="rId1"/>
   </p:sldMasterIdLst>
   <p:notesMasterIdLst>
-    <p:notesMasterId r:id="rId3"/>
+    <p:notesMasterId r:id="rId7"/>
   </p:notesMasterIdLst>
   <p:sldIdLst>
-    <p:sldId id="256" r:id="rId2"/>
+    <p:sldId id="260" r:id="rId2"/>
+    <p:sldId id="256" r:id="rId3"/>
+    <p:sldId id="257" r:id="rId4"/>
+    <p:sldId id="259" r:id="rId5"/>
+    <p:sldId id="258" r:id="rId6"/>
   </p:sldIdLst>
   <p:sldSz cx="12192000" cy="6858000"/>
   <p:notesSz cx="6858000" cy="9144000"/>
@@ -107,6 +111,24 @@
       </a:defRPr>
     </a:lvl9pPr>
   </p:defaultTextStyle>
+  <p:extLst>
+    <p:ext uri="{521415D9-36F7-43E2-AB2F-B90AF26B5E84}">
+      <p14:sectionLst xmlns:p14="http://schemas.microsoft.com/office/powerpoint/2010/main">
+        <p14:section name="Untitled Section" id="{3101525E-ADF0-46E4-84CF-8AF1046FAAB4}">
+          <p14:sldIdLst>
+            <p14:sldId id="260"/>
+            <p14:sldId id="256"/>
+            <p14:sldId id="257"/>
+            <p14:sldId id="259"/>
+            <p14:sldId id="258"/>
+          </p14:sldIdLst>
+        </p14:section>
+      </p14:sectionLst>
+    </p:ext>
+    <p:ext uri="{EFAFB233-063F-42B5-8137-9DF3F51BA10A}">
+      <p15:sldGuideLst xmlns:p15="http://schemas.microsoft.com/office/powerpoint/2012/main"/>
+    </p:ext>
+  </p:extLst>
 </p:presentation>
 </file>
 
@@ -192,7 +214,7 @@
           <a:p>
             <a:fld id="{7FE607CF-8097-492D-8067-36265157932A}" type="datetimeFigureOut">
               <a:rPr lang="en-US" smtClean="0"/>
-              <a:t>11/8/2022</a:t>
+              <a:t>11/10/2022</a:t>
             </a:fld>
             <a:endParaRPr lang="en-US"/>
           </a:p>
@@ -524,7 +546,7 @@
           <a:p>
             <a:fld id="{200C5692-44AC-41A1-94DD-04C172B4CC6B}" type="slidenum">
               <a:rPr lang="en-US" smtClean="0"/>
-              <a:t>1</a:t>
+              <a:t>2</a:t>
             </a:fld>
             <a:endParaRPr lang="en-US"/>
           </a:p>
@@ -690,7 +712,7 @@
           <a:p>
             <a:fld id="{2C79DD6B-EFFC-46B5-A1C8-44AB87E87B7C}" type="datetimeFigureOut">
               <a:rPr lang="en-US" smtClean="0"/>
-              <a:t>11/8/2022</a:t>
+              <a:t>11/10/2022</a:t>
             </a:fld>
             <a:endParaRPr lang="en-US"/>
           </a:p>
@@ -888,7 +910,7 @@
           <a:p>
             <a:fld id="{2C79DD6B-EFFC-46B5-A1C8-44AB87E87B7C}" type="datetimeFigureOut">
               <a:rPr lang="en-US" smtClean="0"/>
-              <a:t>11/8/2022</a:t>
+              <a:t>11/10/2022</a:t>
             </a:fld>
             <a:endParaRPr lang="en-US"/>
           </a:p>
@@ -1096,7 +1118,7 @@
           <a:p>
             <a:fld id="{2C79DD6B-EFFC-46B5-A1C8-44AB87E87B7C}" type="datetimeFigureOut">
               <a:rPr lang="en-US" smtClean="0"/>
-              <a:t>11/8/2022</a:t>
+              <a:t>11/10/2022</a:t>
             </a:fld>
             <a:endParaRPr lang="en-US"/>
           </a:p>
@@ -1294,7 +1316,7 @@
           <a:p>
             <a:fld id="{2C79DD6B-EFFC-46B5-A1C8-44AB87E87B7C}" type="datetimeFigureOut">
               <a:rPr lang="en-US" smtClean="0"/>
-              <a:t>11/8/2022</a:t>
+              <a:t>11/10/2022</a:t>
             </a:fld>
             <a:endParaRPr lang="en-US"/>
           </a:p>
@@ -1569,7 +1591,7 @@
           <a:p>
             <a:fld id="{2C79DD6B-EFFC-46B5-A1C8-44AB87E87B7C}" type="datetimeFigureOut">
               <a:rPr lang="en-US" smtClean="0"/>
-              <a:t>11/8/2022</a:t>
+              <a:t>11/10/2022</a:t>
             </a:fld>
             <a:endParaRPr lang="en-US"/>
           </a:p>
@@ -1834,7 +1856,7 @@
           <a:p>
             <a:fld id="{2C79DD6B-EFFC-46B5-A1C8-44AB87E87B7C}" type="datetimeFigureOut">
               <a:rPr lang="en-US" smtClean="0"/>
-              <a:t>11/8/2022</a:t>
+              <a:t>11/10/2022</a:t>
             </a:fld>
             <a:endParaRPr lang="en-US"/>
           </a:p>
@@ -2246,7 +2268,7 @@
           <a:p>
             <a:fld id="{2C79DD6B-EFFC-46B5-A1C8-44AB87E87B7C}" type="datetimeFigureOut">
               <a:rPr lang="en-US" smtClean="0"/>
-              <a:t>11/8/2022</a:t>
+              <a:t>11/10/2022</a:t>
             </a:fld>
             <a:endParaRPr lang="en-US"/>
           </a:p>
@@ -2387,7 +2409,7 @@
           <a:p>
             <a:fld id="{2C79DD6B-EFFC-46B5-A1C8-44AB87E87B7C}" type="datetimeFigureOut">
               <a:rPr lang="en-US" smtClean="0"/>
-              <a:t>11/8/2022</a:t>
+              <a:t>11/10/2022</a:t>
             </a:fld>
             <a:endParaRPr lang="en-US"/>
           </a:p>
@@ -2500,7 +2522,7 @@
           <a:p>
             <a:fld id="{2C79DD6B-EFFC-46B5-A1C8-44AB87E87B7C}" type="datetimeFigureOut">
               <a:rPr lang="en-US" smtClean="0"/>
-              <a:t>11/8/2022</a:t>
+              <a:t>11/10/2022</a:t>
             </a:fld>
             <a:endParaRPr lang="en-US"/>
           </a:p>
@@ -2811,7 +2833,7 @@
           <a:p>
             <a:fld id="{2C79DD6B-EFFC-46B5-A1C8-44AB87E87B7C}" type="datetimeFigureOut">
               <a:rPr lang="en-US" smtClean="0"/>
-              <a:t>11/8/2022</a:t>
+              <a:t>11/10/2022</a:t>
             </a:fld>
             <a:endParaRPr lang="en-US"/>
           </a:p>
@@ -3099,7 +3121,7 @@
           <a:p>
             <a:fld id="{2C79DD6B-EFFC-46B5-A1C8-44AB87E87B7C}" type="datetimeFigureOut">
               <a:rPr lang="en-US" smtClean="0"/>
-              <a:t>11/8/2022</a:t>
+              <a:t>11/10/2022</a:t>
             </a:fld>
             <a:endParaRPr lang="en-US"/>
           </a:p>
@@ -3340,7 +3362,7 @@
           <a:p>
             <a:fld id="{2C79DD6B-EFFC-46B5-A1C8-44AB87E87B7C}" type="datetimeFigureOut">
               <a:rPr lang="en-US" smtClean="0"/>
-              <a:t>11/8/2022</a:t>
+              <a:t>11/10/2022</a:t>
             </a:fld>
             <a:endParaRPr lang="en-US"/>
           </a:p>
@@ -3759,10 +3781,10 @@
       </p:grpSpPr>
       <p:sp>
         <p:nvSpPr>
-          <p:cNvPr id="6" name="Rectangle 5">
-            <a:extLst>
-              <a:ext uri="{FF2B5EF4-FFF2-40B4-BE49-F238E27FC236}">
-                <a16:creationId xmlns:a16="http://schemas.microsoft.com/office/drawing/2014/main" id="{165D1324-7DC3-54C8-10BE-CFFB36A3282C}"/>
+          <p:cNvPr id="4" name="Rectangle 3">
+            <a:extLst>
+              <a:ext uri="{FF2B5EF4-FFF2-40B4-BE49-F238E27FC236}">
+                <a16:creationId xmlns:a16="http://schemas.microsoft.com/office/drawing/2014/main" id="{963C1DCE-B956-9C0A-2066-E8263ADD1CB4}"/>
               </a:ext>
             </a:extLst>
           </p:cNvPr>
@@ -3771,7 +3793,599 @@
         </p:nvSpPr>
         <p:spPr>
           <a:xfrm>
-            <a:off x="0" y="47445"/>
+            <a:off x="4533897" y="384048"/>
+            <a:ext cx="1844040" cy="1106424"/>
+          </a:xfrm>
+          <a:prstGeom prst="rect">
+            <a:avLst/>
+          </a:prstGeom>
+        </p:spPr>
+        <p:style>
+          <a:lnRef idx="2">
+            <a:schemeClr val="dk1"/>
+          </a:lnRef>
+          <a:fillRef idx="1">
+            <a:schemeClr val="lt1"/>
+          </a:fillRef>
+          <a:effectRef idx="0">
+            <a:schemeClr val="dk1"/>
+          </a:effectRef>
+          <a:fontRef idx="minor">
+            <a:schemeClr val="dk1"/>
+          </a:fontRef>
+        </p:style>
+        <p:txBody>
+          <a:bodyPr rtlCol="0" anchor="ctr"/>
+          <a:lstStyle/>
+          <a:p>
+            <a:pPr algn="ctr"/>
+            <a:r>
+              <a:rPr lang="en-US"/>
+              <a:t>NhanVien</a:t>
+            </a:r>
+          </a:p>
+        </p:txBody>
+      </p:sp>
+      <p:sp>
+        <p:nvSpPr>
+          <p:cNvPr id="7" name="Rectangle 6">
+            <a:extLst>
+              <a:ext uri="{FF2B5EF4-FFF2-40B4-BE49-F238E27FC236}">
+                <a16:creationId xmlns:a16="http://schemas.microsoft.com/office/drawing/2014/main" id="{4CC610B0-06FB-5B34-73B9-6809AEC9F654}"/>
+              </a:ext>
+            </a:extLst>
+          </p:cNvPr>
+          <p:cNvSpPr/>
+          <p:nvPr/>
+        </p:nvSpPr>
+        <p:spPr>
+          <a:xfrm>
+            <a:off x="6819137" y="2538984"/>
+            <a:ext cx="1975104" cy="1307592"/>
+          </a:xfrm>
+          <a:prstGeom prst="rect">
+            <a:avLst/>
+          </a:prstGeom>
+        </p:spPr>
+        <p:style>
+          <a:lnRef idx="2">
+            <a:schemeClr val="dk1"/>
+          </a:lnRef>
+          <a:fillRef idx="1">
+            <a:schemeClr val="lt1"/>
+          </a:fillRef>
+          <a:effectRef idx="0">
+            <a:schemeClr val="dk1"/>
+          </a:effectRef>
+          <a:fontRef idx="minor">
+            <a:schemeClr val="dk1"/>
+          </a:fontRef>
+        </p:style>
+        <p:txBody>
+          <a:bodyPr rtlCol="0" anchor="ctr"/>
+          <a:lstStyle/>
+          <a:p>
+            <a:pPr algn="ctr"/>
+            <a:r>
+              <a:rPr lang="en-US"/>
+              <a:t>KiemChungVien</a:t>
+            </a:r>
+          </a:p>
+        </p:txBody>
+      </p:sp>
+      <p:cxnSp>
+        <p:nvCxnSpPr>
+          <p:cNvPr id="17" name="Connector: Elbow 16">
+            <a:extLst>
+              <a:ext uri="{FF2B5EF4-FFF2-40B4-BE49-F238E27FC236}">
+                <a16:creationId xmlns:a16="http://schemas.microsoft.com/office/drawing/2014/main" id="{5ED8F6CA-BA90-FCC5-861F-CD73A2FB5A3C}"/>
+              </a:ext>
+            </a:extLst>
+          </p:cNvPr>
+          <p:cNvCxnSpPr>
+            <a:cxnSpLocks/>
+          </p:cNvCxnSpPr>
+          <p:nvPr/>
+        </p:nvCxnSpPr>
+        <p:spPr>
+          <a:xfrm rot="16200000" flipV="1">
+            <a:off x="6290309" y="1055370"/>
+            <a:ext cx="1057656" cy="1909572"/>
+          </a:xfrm>
+          <a:prstGeom prst="bentConnector3">
+            <a:avLst>
+              <a:gd name="adj1" fmla="val 50000"/>
+            </a:avLst>
+          </a:prstGeom>
+          <a:ln>
+            <a:tailEnd type="triangle"/>
+          </a:ln>
+        </p:spPr>
+        <p:style>
+          <a:lnRef idx="1">
+            <a:schemeClr val="accent1"/>
+          </a:lnRef>
+          <a:fillRef idx="0">
+            <a:schemeClr val="accent1"/>
+          </a:fillRef>
+          <a:effectRef idx="0">
+            <a:schemeClr val="accent1"/>
+          </a:effectRef>
+          <a:fontRef idx="minor">
+            <a:schemeClr val="tx1"/>
+          </a:fontRef>
+        </p:style>
+      </p:cxnSp>
+      <p:sp>
+        <p:nvSpPr>
+          <p:cNvPr id="22" name="Rectangle 21">
+            <a:extLst>
+              <a:ext uri="{FF2B5EF4-FFF2-40B4-BE49-F238E27FC236}">
+                <a16:creationId xmlns:a16="http://schemas.microsoft.com/office/drawing/2014/main" id="{4672C2FF-81FD-F1C2-85FE-11019830D0ED}"/>
+              </a:ext>
+            </a:extLst>
+          </p:cNvPr>
+          <p:cNvSpPr/>
+          <p:nvPr/>
+        </p:nvSpPr>
+        <p:spPr>
+          <a:xfrm>
+            <a:off x="9144000" y="329184"/>
+            <a:ext cx="1266447" cy="1216152"/>
+          </a:xfrm>
+          <a:prstGeom prst="rect">
+            <a:avLst/>
+          </a:prstGeom>
+        </p:spPr>
+        <p:style>
+          <a:lnRef idx="2">
+            <a:schemeClr val="dk1"/>
+          </a:lnRef>
+          <a:fillRef idx="1">
+            <a:schemeClr val="lt1"/>
+          </a:fillRef>
+          <a:effectRef idx="0">
+            <a:schemeClr val="dk1"/>
+          </a:effectRef>
+          <a:fontRef idx="minor">
+            <a:schemeClr val="dk1"/>
+          </a:fontRef>
+        </p:style>
+        <p:txBody>
+          <a:bodyPr rtlCol="0" anchor="ctr"/>
+          <a:lstStyle/>
+          <a:p>
+            <a:pPr algn="ctr"/>
+            <a:r>
+              <a:rPr lang="en-US"/>
+              <a:t>TienLuong</a:t>
+            </a:r>
+          </a:p>
+        </p:txBody>
+      </p:sp>
+      <p:sp>
+        <p:nvSpPr>
+          <p:cNvPr id="40" name="Rectangle 39">
+            <a:extLst>
+              <a:ext uri="{FF2B5EF4-FFF2-40B4-BE49-F238E27FC236}">
+                <a16:creationId xmlns:a16="http://schemas.microsoft.com/office/drawing/2014/main" id="{43ED13DF-E3D7-1694-F37D-B0EBAB3119A9}"/>
+              </a:ext>
+            </a:extLst>
+          </p:cNvPr>
+          <p:cNvSpPr/>
+          <p:nvPr/>
+        </p:nvSpPr>
+        <p:spPr>
+          <a:xfrm>
+            <a:off x="1672588" y="2766059"/>
+            <a:ext cx="1975104" cy="1307592"/>
+          </a:xfrm>
+          <a:prstGeom prst="rect">
+            <a:avLst/>
+          </a:prstGeom>
+        </p:spPr>
+        <p:style>
+          <a:lnRef idx="2">
+            <a:schemeClr val="dk1"/>
+          </a:lnRef>
+          <a:fillRef idx="1">
+            <a:schemeClr val="lt1"/>
+          </a:fillRef>
+          <a:effectRef idx="0">
+            <a:schemeClr val="dk1"/>
+          </a:effectRef>
+          <a:fontRef idx="minor">
+            <a:schemeClr val="dk1"/>
+          </a:fontRef>
+        </p:style>
+        <p:txBody>
+          <a:bodyPr rtlCol="0" anchor="ctr"/>
+          <a:lstStyle/>
+          <a:p>
+            <a:pPr algn="ctr"/>
+            <a:r>
+              <a:rPr lang="en-US"/>
+              <a:t>LapTrinhVien</a:t>
+            </a:r>
+          </a:p>
+        </p:txBody>
+      </p:sp>
+      <p:cxnSp>
+        <p:nvCxnSpPr>
+          <p:cNvPr id="44" name="Connector: Elbow 43">
+            <a:extLst>
+              <a:ext uri="{FF2B5EF4-FFF2-40B4-BE49-F238E27FC236}">
+                <a16:creationId xmlns:a16="http://schemas.microsoft.com/office/drawing/2014/main" id="{A9321F44-C583-68FB-5331-9DB0F2728BA6}"/>
+              </a:ext>
+            </a:extLst>
+          </p:cNvPr>
+          <p:cNvCxnSpPr>
+            <a:cxnSpLocks/>
+          </p:cNvCxnSpPr>
+          <p:nvPr/>
+        </p:nvCxnSpPr>
+        <p:spPr>
+          <a:xfrm rot="5400000" flipH="1" flipV="1">
+            <a:off x="3214877" y="926590"/>
+            <a:ext cx="1284732" cy="2394206"/>
+          </a:xfrm>
+          <a:prstGeom prst="bentConnector3">
+            <a:avLst>
+              <a:gd name="adj1" fmla="val 55694"/>
+            </a:avLst>
+          </a:prstGeom>
+          <a:ln>
+            <a:tailEnd type="triangle"/>
+          </a:ln>
+        </p:spPr>
+        <p:style>
+          <a:lnRef idx="1">
+            <a:schemeClr val="accent1"/>
+          </a:lnRef>
+          <a:fillRef idx="0">
+            <a:schemeClr val="accent1"/>
+          </a:fillRef>
+          <a:effectRef idx="0">
+            <a:schemeClr val="accent1"/>
+          </a:effectRef>
+          <a:fontRef idx="minor">
+            <a:schemeClr val="tx1"/>
+          </a:fontRef>
+        </p:style>
+      </p:cxnSp>
+      <p:sp>
+        <p:nvSpPr>
+          <p:cNvPr id="48" name="Isosceles Triangle 47">
+            <a:extLst>
+              <a:ext uri="{FF2B5EF4-FFF2-40B4-BE49-F238E27FC236}">
+                <a16:creationId xmlns:a16="http://schemas.microsoft.com/office/drawing/2014/main" id="{0A6B0968-478A-3452-796D-8296C0EB5DFE}"/>
+              </a:ext>
+            </a:extLst>
+          </p:cNvPr>
+          <p:cNvSpPr/>
+          <p:nvPr/>
+        </p:nvSpPr>
+        <p:spPr>
+          <a:xfrm>
+            <a:off x="4920615" y="1481327"/>
+            <a:ext cx="267462" cy="274321"/>
+          </a:xfrm>
+          <a:prstGeom prst="triangle">
+            <a:avLst/>
+          </a:prstGeom>
+        </p:spPr>
+        <p:style>
+          <a:lnRef idx="2">
+            <a:schemeClr val="accent1">
+              <a:shade val="50000"/>
+            </a:schemeClr>
+          </a:lnRef>
+          <a:fillRef idx="1">
+            <a:schemeClr val="accent1"/>
+          </a:fillRef>
+          <a:effectRef idx="0">
+            <a:schemeClr val="accent1"/>
+          </a:effectRef>
+          <a:fontRef idx="minor">
+            <a:schemeClr val="lt1"/>
+          </a:fontRef>
+        </p:style>
+        <p:txBody>
+          <a:bodyPr rtlCol="0" anchor="ctr"/>
+          <a:lstStyle/>
+          <a:p>
+            <a:pPr algn="ctr"/>
+            <a:endParaRPr lang="en-US"/>
+          </a:p>
+        </p:txBody>
+      </p:sp>
+      <p:sp>
+        <p:nvSpPr>
+          <p:cNvPr id="49" name="Isosceles Triangle 48">
+            <a:extLst>
+              <a:ext uri="{FF2B5EF4-FFF2-40B4-BE49-F238E27FC236}">
+                <a16:creationId xmlns:a16="http://schemas.microsoft.com/office/drawing/2014/main" id="{B36DFB6F-D077-6F20-4477-96F03E10ED03}"/>
+              </a:ext>
+            </a:extLst>
+          </p:cNvPr>
+          <p:cNvSpPr/>
+          <p:nvPr/>
+        </p:nvSpPr>
+        <p:spPr>
+          <a:xfrm>
+            <a:off x="5730620" y="1490472"/>
+            <a:ext cx="267462" cy="274321"/>
+          </a:xfrm>
+          <a:prstGeom prst="triangle">
+            <a:avLst/>
+          </a:prstGeom>
+        </p:spPr>
+        <p:style>
+          <a:lnRef idx="2">
+            <a:schemeClr val="accent1">
+              <a:shade val="50000"/>
+            </a:schemeClr>
+          </a:lnRef>
+          <a:fillRef idx="1">
+            <a:schemeClr val="accent1"/>
+          </a:fillRef>
+          <a:effectRef idx="0">
+            <a:schemeClr val="accent1"/>
+          </a:effectRef>
+          <a:fontRef idx="minor">
+            <a:schemeClr val="lt1"/>
+          </a:fontRef>
+        </p:style>
+        <p:txBody>
+          <a:bodyPr rtlCol="0" anchor="ctr"/>
+          <a:lstStyle/>
+          <a:p>
+            <a:pPr algn="ctr"/>
+            <a:endParaRPr lang="en-US"/>
+          </a:p>
+        </p:txBody>
+      </p:sp>
+      <p:cxnSp>
+        <p:nvCxnSpPr>
+          <p:cNvPr id="51" name="Straight Arrow Connector 50">
+            <a:extLst>
+              <a:ext uri="{FF2B5EF4-FFF2-40B4-BE49-F238E27FC236}">
+                <a16:creationId xmlns:a16="http://schemas.microsoft.com/office/drawing/2014/main" id="{BDBFBD93-2F57-FCA2-5EF9-28F7520E649F}"/>
+              </a:ext>
+            </a:extLst>
+          </p:cNvPr>
+          <p:cNvCxnSpPr>
+            <a:stCxn id="22" idx="1"/>
+            <a:endCxn id="4" idx="3"/>
+          </p:cNvCxnSpPr>
+          <p:nvPr/>
+        </p:nvCxnSpPr>
+        <p:spPr>
+          <a:xfrm flipH="1">
+            <a:off x="6377937" y="937260"/>
+            <a:ext cx="2766063" cy="0"/>
+          </a:xfrm>
+          <a:prstGeom prst="straightConnector1">
+            <a:avLst/>
+          </a:prstGeom>
+          <a:ln>
+            <a:tailEnd type="triangle"/>
+          </a:ln>
+        </p:spPr>
+        <p:style>
+          <a:lnRef idx="1">
+            <a:schemeClr val="accent1"/>
+          </a:lnRef>
+          <a:fillRef idx="0">
+            <a:schemeClr val="accent1"/>
+          </a:fillRef>
+          <a:effectRef idx="0">
+            <a:schemeClr val="accent1"/>
+          </a:effectRef>
+          <a:fontRef idx="minor">
+            <a:schemeClr val="tx1"/>
+          </a:fontRef>
+        </p:style>
+      </p:cxnSp>
+      <p:sp>
+        <p:nvSpPr>
+          <p:cNvPr id="52" name="Diamond 51">
+            <a:extLst>
+              <a:ext uri="{FF2B5EF4-FFF2-40B4-BE49-F238E27FC236}">
+                <a16:creationId xmlns:a16="http://schemas.microsoft.com/office/drawing/2014/main" id="{068BD94A-55FD-0CAF-E388-1F909854F8D7}"/>
+              </a:ext>
+            </a:extLst>
+          </p:cNvPr>
+          <p:cNvSpPr/>
+          <p:nvPr/>
+        </p:nvSpPr>
+        <p:spPr>
+          <a:xfrm>
+            <a:off x="6243061" y="790958"/>
+            <a:ext cx="269751" cy="278891"/>
+          </a:xfrm>
+          <a:prstGeom prst="diamond">
+            <a:avLst/>
+          </a:prstGeom>
+        </p:spPr>
+        <p:style>
+          <a:lnRef idx="2">
+            <a:schemeClr val="accent1">
+              <a:shade val="50000"/>
+            </a:schemeClr>
+          </a:lnRef>
+          <a:fillRef idx="1">
+            <a:schemeClr val="accent1"/>
+          </a:fillRef>
+          <a:effectRef idx="0">
+            <a:schemeClr val="accent1"/>
+          </a:effectRef>
+          <a:fontRef idx="minor">
+            <a:schemeClr val="lt1"/>
+          </a:fontRef>
+        </p:style>
+        <p:txBody>
+          <a:bodyPr rtlCol="0" anchor="ctr"/>
+          <a:lstStyle/>
+          <a:p>
+            <a:pPr algn="ctr"/>
+            <a:endParaRPr lang="en-US"/>
+          </a:p>
+        </p:txBody>
+      </p:sp>
+      <p:sp>
+        <p:nvSpPr>
+          <p:cNvPr id="53" name="TextBox 52">
+            <a:extLst>
+              <a:ext uri="{FF2B5EF4-FFF2-40B4-BE49-F238E27FC236}">
+                <a16:creationId xmlns:a16="http://schemas.microsoft.com/office/drawing/2014/main" id="{03FA2C57-944A-BF34-50BC-46E774D2239E}"/>
+              </a:ext>
+            </a:extLst>
+          </p:cNvPr>
+          <p:cNvSpPr txBox="1"/>
+          <p:nvPr/>
+        </p:nvSpPr>
+        <p:spPr>
+          <a:xfrm>
+            <a:off x="2788920" y="1764793"/>
+            <a:ext cx="676656" cy="369332"/>
+          </a:xfrm>
+          <a:prstGeom prst="rect">
+            <a:avLst/>
+          </a:prstGeom>
+          <a:noFill/>
+        </p:spPr>
+        <p:txBody>
+          <a:bodyPr wrap="square" rtlCol="0">
+            <a:spAutoFit/>
+          </a:bodyPr>
+          <a:lstStyle/>
+          <a:p>
+            <a:r>
+              <a:rPr lang="en-US"/>
+              <a:t>Is-a</a:t>
+            </a:r>
+          </a:p>
+        </p:txBody>
+      </p:sp>
+      <p:sp>
+        <p:nvSpPr>
+          <p:cNvPr id="55" name="TextBox 54">
+            <a:extLst>
+              <a:ext uri="{FF2B5EF4-FFF2-40B4-BE49-F238E27FC236}">
+                <a16:creationId xmlns:a16="http://schemas.microsoft.com/office/drawing/2014/main" id="{0AA68DB9-5661-9F03-9492-FDC31D406CDC}"/>
+              </a:ext>
+            </a:extLst>
+          </p:cNvPr>
+          <p:cNvSpPr txBox="1"/>
+          <p:nvPr/>
+        </p:nvSpPr>
+        <p:spPr>
+          <a:xfrm>
+            <a:off x="6583680" y="1682496"/>
+            <a:ext cx="594360" cy="646331"/>
+          </a:xfrm>
+          <a:prstGeom prst="rect">
+            <a:avLst/>
+          </a:prstGeom>
+          <a:noFill/>
+        </p:spPr>
+        <p:txBody>
+          <a:bodyPr wrap="square" rtlCol="0">
+            <a:spAutoFit/>
+          </a:bodyPr>
+          <a:lstStyle/>
+          <a:p>
+            <a:r>
+              <a:rPr lang="en-US"/>
+              <a:t>Is-a</a:t>
+            </a:r>
+          </a:p>
+          <a:p>
+            <a:endParaRPr lang="en-US"/>
+          </a:p>
+        </p:txBody>
+      </p:sp>
+      <p:sp>
+        <p:nvSpPr>
+          <p:cNvPr id="56" name="TextBox 55">
+            <a:extLst>
+              <a:ext uri="{FF2B5EF4-FFF2-40B4-BE49-F238E27FC236}">
+                <a16:creationId xmlns:a16="http://schemas.microsoft.com/office/drawing/2014/main" id="{6F406EC3-1E0A-B37A-8B8D-51321C5F2C25}"/>
+              </a:ext>
+            </a:extLst>
+          </p:cNvPr>
+          <p:cNvSpPr txBox="1"/>
+          <p:nvPr/>
+        </p:nvSpPr>
+        <p:spPr>
+          <a:xfrm>
+            <a:off x="6583680" y="621793"/>
+            <a:ext cx="1042416" cy="369332"/>
+          </a:xfrm>
+          <a:prstGeom prst="rect">
+            <a:avLst/>
+          </a:prstGeom>
+          <a:noFill/>
+        </p:spPr>
+        <p:txBody>
+          <a:bodyPr wrap="square" rtlCol="0">
+            <a:spAutoFit/>
+          </a:bodyPr>
+          <a:lstStyle/>
+          <a:p>
+            <a:r>
+              <a:rPr lang="en-US"/>
+              <a:t>Has -a</a:t>
+            </a:r>
+          </a:p>
+        </p:txBody>
+      </p:sp>
+    </p:spTree>
+    <p:extLst>
+      <p:ext uri="{BB962C8B-B14F-4D97-AF65-F5344CB8AC3E}">
+        <p14:creationId xmlns:p14="http://schemas.microsoft.com/office/powerpoint/2010/main" val="2935136404"/>
+      </p:ext>
+    </p:extLst>
+  </p:cSld>
+  <p:clrMapOvr>
+    <a:masterClrMapping/>
+  </p:clrMapOvr>
+</p:sld>
+</file>
+
+<file path=ppt/slides/slide2.xml><?xml version="1.0" encoding="utf-8"?>
+<p:sld xmlns:a="http://schemas.openxmlformats.org/drawingml/2006/main" xmlns:r="http://schemas.openxmlformats.org/officeDocument/2006/relationships" xmlns:p="http://schemas.openxmlformats.org/presentationml/2006/main">
+  <p:cSld>
+    <p:spTree>
+      <p:nvGrpSpPr>
+        <p:cNvPr id="1" name=""/>
+        <p:cNvGrpSpPr/>
+        <p:nvPr/>
+      </p:nvGrpSpPr>
+      <p:grpSpPr>
+        <a:xfrm>
+          <a:off x="0" y="0"/>
+          <a:ext cx="0" cy="0"/>
+          <a:chOff x="0" y="0"/>
+          <a:chExt cx="0" cy="0"/>
+        </a:xfrm>
+      </p:grpSpPr>
+      <p:sp>
+        <p:nvSpPr>
+          <p:cNvPr id="6" name="Rectangle 5">
+            <a:extLst>
+              <a:ext uri="{FF2B5EF4-FFF2-40B4-BE49-F238E27FC236}">
+                <a16:creationId xmlns:a16="http://schemas.microsoft.com/office/drawing/2014/main" id="{165D1324-7DC3-54C8-10BE-CFFB36A3282C}"/>
+              </a:ext>
+            </a:extLst>
+          </p:cNvPr>
+          <p:cNvSpPr/>
+          <p:nvPr/>
+        </p:nvSpPr>
+        <p:spPr>
+          <a:xfrm>
+            <a:off x="64698" y="0"/>
             <a:ext cx="8039819" cy="6763109"/>
           </a:xfrm>
           <a:prstGeom prst="rect">
@@ -3816,7 +4430,7 @@
         <p:spPr>
           <a:xfrm>
             <a:off x="129396" y="-8626"/>
-            <a:ext cx="3614468" cy="2123658"/>
+            <a:ext cx="3614468" cy="1954381"/>
           </a:xfrm>
           <a:prstGeom prst="rect">
             <a:avLst/>
@@ -3830,68 +4444,68 @@
           <a:lstStyle/>
           <a:p>
             <a:r>
-              <a:rPr lang="en-US" sz="1200"/>
+              <a:rPr lang="en-US" sz="1100"/>
               <a:t>- &lt;&lt;static&gt;&gt; soLuongNhanVien : int</a:t>
             </a:r>
           </a:p>
           <a:p>
             <a:r>
-              <a:rPr lang="en-US" sz="1200"/>
+              <a:rPr lang="en-US" sz="1100"/>
               <a:t>- hoVaTen: string </a:t>
             </a:r>
           </a:p>
           <a:p>
             <a:r>
-              <a:rPr lang="en-US" sz="1200"/>
+              <a:rPr lang="en-US" sz="1100"/>
               <a:t>- diaChi : string </a:t>
             </a:r>
           </a:p>
           <a:p>
             <a:r>
-              <a:rPr lang="en-US" sz="1200"/>
+              <a:rPr lang="en-US" sz="1100"/>
               <a:t>-tuoi:int</a:t>
             </a:r>
           </a:p>
           <a:p>
             <a:r>
-              <a:rPr lang="en-US" sz="1200"/>
+              <a:rPr lang="en-US" sz="1100"/>
               <a:t>-ngaySinh:  DateTime</a:t>
             </a:r>
           </a:p>
           <a:p>
             <a:r>
-              <a:rPr lang="en-US" sz="1200"/>
+              <a:rPr lang="en-US" sz="1100"/>
               <a:t>-soDienThoai:int</a:t>
             </a:r>
           </a:p>
           <a:p>
             <a:r>
-              <a:rPr lang="en-US" sz="1200"/>
+              <a:rPr lang="en-US" sz="1100"/>
               <a:t>- maNhanVien: string</a:t>
             </a:r>
           </a:p>
           <a:p>
             <a:r>
-              <a:rPr lang="en-US" sz="1200"/>
-              <a:t>-namKinhNghiem:int</a:t>
-            </a:r>
-          </a:p>
-          <a:p>
-            <a:r>
-              <a:rPr lang="en-US" sz="1200"/>
-              <a:t>-LuongCoBan: double</a:t>
-            </a:r>
-          </a:p>
-          <a:p>
-            <a:r>
-              <a:rPr lang="en-US" sz="1200"/>
+              <a:rPr lang="en-US" sz="1100"/>
+              <a:t>-kinhNghiem:int</a:t>
+            </a:r>
+          </a:p>
+          <a:p>
+            <a:r>
+              <a:rPr lang="en-US" sz="1100"/>
+              <a:t>-LuongCoBan:TienLuong</a:t>
+            </a:r>
+          </a:p>
+          <a:p>
+            <a:r>
+              <a:rPr lang="en-US" sz="1100"/>
               <a:t>-ngayBatDauLam:DateTime</a:t>
             </a:r>
           </a:p>
           <a:p>
             <a:r>
-              <a:rPr lang="en-US" sz="1200"/>
-              <a:t>-tinhTrangLamVien:string ( 1 – con lam , 0 – da nghi ) </a:t>
+              <a:rPr lang="en-US" sz="1100"/>
+              <a:t>-tinhTrangLamVien:bool ( 1 – con lam , 0 – da nghi ) </a:t>
             </a:r>
           </a:p>
         </p:txBody>
@@ -3912,8 +4526,8 @@
         </p:nvCxnSpPr>
         <p:spPr>
           <a:xfrm>
-            <a:off x="0" y="2033883"/>
-            <a:ext cx="8039818" cy="0"/>
+            <a:off x="64698" y="1945098"/>
+            <a:ext cx="8039100" cy="657"/>
           </a:xfrm>
           <a:prstGeom prst="line">
             <a:avLst/>
@@ -3948,8 +4562,8 @@
         </p:nvSpPr>
         <p:spPr>
           <a:xfrm>
-            <a:off x="64698" y="2066731"/>
-            <a:ext cx="7910422" cy="4893647"/>
+            <a:off x="63979" y="1846038"/>
+            <a:ext cx="7910422" cy="5509200"/>
           </a:xfrm>
           <a:prstGeom prst="rect">
             <a:avLst/>
@@ -3963,147 +4577,230 @@
           <a:lstStyle/>
           <a:p>
             <a:r>
-              <a:rPr lang="en-US" sz="1200"/>
+              <a:rPr lang="en-US" sz="1100"/>
               <a:t>+NhanVien()</a:t>
             </a:r>
           </a:p>
           <a:p>
             <a:r>
-              <a:rPr lang="en-US" sz="1200"/>
-              <a:t>+NhanVien(hoVaTen:string,diaChi:string,tuoi:string,ngaySinh:DateTime,soDienThoai:int,maNhanVien:string,namKinhNghiem:int,luongCoBan:double)</a:t>
-            </a:r>
-          </a:p>
-          <a:p>
-            <a:r>
-              <a:rPr lang="en-US" sz="1200"/>
+              <a:rPr lang="en-US" sz="1100"/>
+              <a:t>+NhanVien(hoVaTen:string,diaChi:string,tuoi:string,ngaySinh:DateTime,soDienThoai:int,maNhanVien:string,namKinhNghiem:int,luongCoBan:TienLuong)</a:t>
+            </a:r>
+          </a:p>
+          <a:p>
+            <a:r>
+              <a:rPr lang="en-US" sz="1100"/>
               <a:t>+setHoVaTen(hoVaTen:string):void</a:t>
             </a:r>
           </a:p>
           <a:p>
             <a:r>
-              <a:rPr lang="en-US" sz="1200"/>
+              <a:rPr lang="en-US" sz="1100"/>
               <a:t>+getHoVaTen():string</a:t>
             </a:r>
           </a:p>
           <a:p>
             <a:r>
-              <a:rPr lang="en-US" sz="1200"/>
-              <a:t>+setHoVaTen(diaChi:string):void</a:t>
-            </a:r>
-          </a:p>
-          <a:p>
-            <a:r>
-              <a:rPr lang="en-US" sz="1200"/>
-              <a:t>+getHoVaTen():string</a:t>
-            </a:r>
-          </a:p>
-          <a:p>
-            <a:r>
-              <a:rPr lang="en-US" sz="1200"/>
+              <a:rPr lang="en-US" sz="1100"/>
+              <a:t>+setDiaChi(diaChi:string):void</a:t>
+            </a:r>
+          </a:p>
+          <a:p>
+            <a:r>
+              <a:rPr lang="en-US" sz="1100"/>
+              <a:t>+getDiaChi():string</a:t>
+            </a:r>
+          </a:p>
+          <a:p>
+            <a:r>
+              <a:rPr lang="en-US" sz="1100"/>
               <a:t>+setTuoi(tuoi:int):void</a:t>
             </a:r>
           </a:p>
           <a:p>
             <a:r>
-              <a:rPr lang="en-US" sz="1200"/>
+              <a:rPr lang="en-US" sz="1100"/>
               <a:t>+getTuoi():string</a:t>
             </a:r>
           </a:p>
           <a:p>
             <a:r>
-              <a:rPr lang="en-US" sz="1200"/>
+              <a:rPr lang="en-US" sz="1100"/>
               <a:t>+setNgaySinh(ngaySinh: DateTime)</a:t>
             </a:r>
           </a:p>
           <a:p>
             <a:r>
-              <a:rPr lang="en-US" sz="1200"/>
+              <a:rPr lang="en-US" sz="1100"/>
               <a:t>+getNgaySinh():DateTime</a:t>
             </a:r>
           </a:p>
           <a:p>
             <a:r>
-              <a:rPr lang="en-US" sz="1200"/>
+              <a:rPr lang="en-US" sz="1100"/>
               <a:t>+setSoDienThoai(int soDienThoai);</a:t>
             </a:r>
           </a:p>
           <a:p>
             <a:r>
-              <a:rPr lang="en-US" sz="1200"/>
+              <a:rPr lang="en-US" sz="1100"/>
               <a:t>+getSoDienThoai();</a:t>
             </a:r>
           </a:p>
           <a:p>
             <a:r>
-              <a:rPr lang="en-US" sz="1200"/>
+              <a:rPr lang="en-US" sz="1100"/>
               <a:t>+setMaNhanVien(string maNhanVien): void </a:t>
             </a:r>
           </a:p>
           <a:p>
             <a:r>
-              <a:rPr lang="en-US" sz="1200"/>
+              <a:rPr lang="en-US" sz="1100"/>
               <a:t>+getMaNhanVien(): void </a:t>
             </a:r>
           </a:p>
           <a:p>
             <a:r>
-              <a:rPr lang="en-US" sz="1200"/>
-              <a:t>+setNamKinhNghiem(maKinhNghiem:int ):void</a:t>
-            </a:r>
-          </a:p>
-          <a:p>
-            <a:r>
-              <a:rPr lang="en-US" sz="1200"/>
-              <a:t>+getNamKinhNghiem(): int</a:t>
-            </a:r>
-          </a:p>
-          <a:p>
-            <a:r>
-              <a:rPr lang="en-US" sz="1200"/>
+              <a:rPr lang="en-US" sz="1100"/>
+              <a:t>+setKinhNghiem(maKinhNghiem:int ):void</a:t>
+            </a:r>
+          </a:p>
+          <a:p>
+            <a:r>
+              <a:rPr lang="en-US" sz="1100"/>
+              <a:t>+getKinhNghiem(): int</a:t>
+            </a:r>
+          </a:p>
+          <a:p>
+            <a:r>
+              <a:rPr lang="en-US" sz="1100"/>
               <a:t>+setLuongCoBan(luongCoBan:double):void</a:t>
             </a:r>
           </a:p>
           <a:p>
             <a:r>
-              <a:rPr lang="en-US" sz="1200"/>
+              <a:rPr lang="en-US" sz="1100"/>
               <a:t>+getLuongCoBan():string</a:t>
             </a:r>
           </a:p>
           <a:p>
             <a:r>
-              <a:rPr lang="en-US" sz="1200"/>
+              <a:rPr lang="en-US" sz="1100"/>
               <a:t>+setNgayBatDauLam(ngayBatDauLam: DateTime):void</a:t>
             </a:r>
           </a:p>
           <a:p>
             <a:r>
-              <a:rPr lang="en-US" sz="1200"/>
+              <a:rPr lang="en-US" sz="1100"/>
               <a:t>+getNgayBatDauLam():DateTime</a:t>
             </a:r>
           </a:p>
           <a:p>
             <a:r>
-              <a:rPr lang="en-US" sz="1200"/>
+              <a:rPr lang="en-US" sz="1100"/>
+              <a:t>+setTinhTrangLamViec():void</a:t>
+            </a:r>
+          </a:p>
+          <a:p>
+            <a:r>
+              <a:rPr lang="en-US" sz="1100"/>
+              <a:t>+getTinhTrangLamViec():bool</a:t>
+            </a:r>
+          </a:p>
+          <a:p>
+            <a:r>
+              <a:rPr lang="en-US" sz="1100"/>
+              <a:t>+&lt;&lt;static&gt;&gt;</a:t>
+            </a:r>
+            <a:r>
+              <a:rPr lang="en-US" sz="1050">
+                <a:solidFill>
+                  <a:srgbClr val="000000"/>
+                </a:solidFill>
+                <a:latin typeface="Consolas" panose="020B0609020204030204" pitchFamily="49" charset="0"/>
+              </a:rPr>
+              <a:t>InThongTinNhanVien</a:t>
+            </a:r>
+            <a:r>
+              <a:rPr lang="en-US" sz="1800">
+                <a:solidFill>
+                  <a:srgbClr val="000000"/>
+                </a:solidFill>
+                <a:latin typeface="Consolas" panose="020B0609020204030204" pitchFamily="49" charset="0"/>
+              </a:rPr>
+              <a:t> </a:t>
+            </a:r>
+            <a:r>
+              <a:rPr lang="en-US" sz="1100"/>
+              <a:t>(NhanVien[]): void</a:t>
+            </a:r>
+          </a:p>
+          <a:p>
+            <a:r>
+              <a:rPr lang="en-US" sz="1100"/>
+              <a:t>+&lt;&lt;static&gt;&gt;</a:t>
+            </a:r>
+            <a:r>
+              <a:rPr lang="en-US" sz="1800">
+                <a:solidFill>
+                  <a:srgbClr val="000000"/>
+                </a:solidFill>
+                <a:latin typeface="Consolas" panose="020B0609020204030204" pitchFamily="49" charset="0"/>
+              </a:rPr>
+              <a:t> </a:t>
+            </a:r>
+            <a:r>
+              <a:rPr lang="en-US" sz="1000">
+                <a:solidFill>
+                  <a:srgbClr val="000000"/>
+                </a:solidFill>
+                <a:latin typeface="Consolas" panose="020B0609020204030204" pitchFamily="49" charset="0"/>
+              </a:rPr>
+              <a:t>InThongTinNhanVien</a:t>
+            </a:r>
+            <a:r>
+              <a:rPr lang="en-US" sz="1800">
+                <a:solidFill>
+                  <a:srgbClr val="000000"/>
+                </a:solidFill>
+                <a:latin typeface="Consolas" panose="020B0609020204030204" pitchFamily="49" charset="0"/>
+              </a:rPr>
+              <a:t> </a:t>
+            </a:r>
+            <a:r>
+              <a:rPr lang="en-US" sz="1100"/>
+              <a:t>(NhanVien[]):void</a:t>
+            </a:r>
+          </a:p>
+          <a:p>
+            <a:r>
+              <a:rPr lang="en-US" sz="1100"/>
               <a:t>&lt;&lt;abstrass&gt;&gt;TinhLuong():void		</a:t>
             </a:r>
           </a:p>
           <a:p>
             <a:r>
-              <a:rPr lang="en-US" sz="1200"/>
+              <a:rPr lang="en-US" sz="1100"/>
               <a:t>&lt;&lt;abstrass&gt;NhapThongTin():void</a:t>
             </a:r>
           </a:p>
           <a:p>
             <a:r>
-              <a:rPr lang="en-US" sz="1200"/>
+              <a:rPr lang="en-US" sz="1100"/>
               <a:t>&lt;&lt;abstrass&gt;&gt;InThongTin():void</a:t>
             </a:r>
           </a:p>
           <a:p>
             <a:r>
-              <a:rPr lang="en-US" sz="1200"/>
-              <a:t>&lt;&lt;static&gt;&gt;XuatRaFile(NhanVien[]):void</a:t>
-            </a:r>
+              <a:rPr lang="en-US" sz="1100"/>
+              <a:t>&lt;&lt;static&gt;&gt;CapNhatTrongFile(NhanVien[]):void</a:t>
+            </a:r>
+          </a:p>
+          <a:p>
+            <a:endParaRPr lang="en-US" sz="1100"/>
+          </a:p>
+          <a:p>
+            <a:endParaRPr lang="en-US" sz="1100"/>
           </a:p>
         </p:txBody>
       </p:sp>
@@ -4121,7 +4818,7 @@
         </p:nvSpPr>
         <p:spPr>
           <a:xfrm>
-            <a:off x="8790317" y="1897811"/>
+            <a:off x="8644013" y="2033883"/>
             <a:ext cx="2639683" cy="810883"/>
           </a:xfrm>
           <a:prstGeom prst="rect">
@@ -4151,7 +4848,7 @@
             <a:pPr algn="ctr"/>
             <a:r>
               <a:rPr lang="en-US"/>
-              <a:t>Lớp nhân viên</a:t>
+              <a:t>NhanVien</a:t>
             </a:r>
           </a:p>
         </p:txBody>
@@ -4160,6 +4857,987 @@
     <p:extLst>
       <p:ext uri="{BB962C8B-B14F-4D97-AF65-F5344CB8AC3E}">
         <p14:creationId xmlns:p14="http://schemas.microsoft.com/office/powerpoint/2010/main" val="22376148"/>
+      </p:ext>
+    </p:extLst>
+  </p:cSld>
+  <p:clrMapOvr>
+    <a:masterClrMapping/>
+  </p:clrMapOvr>
+</p:sld>
+</file>
+
+<file path=ppt/slides/slide3.xml><?xml version="1.0" encoding="utf-8"?>
+<p:sld xmlns:a="http://schemas.openxmlformats.org/drawingml/2006/main" xmlns:r="http://schemas.openxmlformats.org/officeDocument/2006/relationships" xmlns:p="http://schemas.openxmlformats.org/presentationml/2006/main">
+  <p:cSld>
+    <p:spTree>
+      <p:nvGrpSpPr>
+        <p:cNvPr id="1" name=""/>
+        <p:cNvGrpSpPr/>
+        <p:nvPr/>
+      </p:nvGrpSpPr>
+      <p:grpSpPr>
+        <a:xfrm>
+          <a:off x="0" y="0"/>
+          <a:ext cx="0" cy="0"/>
+          <a:chOff x="0" y="0"/>
+          <a:chExt cx="0" cy="0"/>
+        </a:xfrm>
+      </p:grpSpPr>
+      <p:sp>
+        <p:nvSpPr>
+          <p:cNvPr id="4" name="Rectangle 3">
+            <a:extLst>
+              <a:ext uri="{FF2B5EF4-FFF2-40B4-BE49-F238E27FC236}">
+                <a16:creationId xmlns:a16="http://schemas.microsoft.com/office/drawing/2014/main" id="{2008C8D0-8AAE-BBBF-7A79-E14559A7D731}"/>
+              </a:ext>
+            </a:extLst>
+          </p:cNvPr>
+          <p:cNvSpPr/>
+          <p:nvPr/>
+        </p:nvSpPr>
+        <p:spPr>
+          <a:xfrm>
+            <a:off x="242143" y="137160"/>
+            <a:ext cx="7617125" cy="4626864"/>
+          </a:xfrm>
+          <a:prstGeom prst="rect">
+            <a:avLst/>
+          </a:prstGeom>
+        </p:spPr>
+        <p:style>
+          <a:lnRef idx="2">
+            <a:schemeClr val="dk1"/>
+          </a:lnRef>
+          <a:fillRef idx="1">
+            <a:schemeClr val="lt1"/>
+          </a:fillRef>
+          <a:effectRef idx="0">
+            <a:schemeClr val="dk1"/>
+          </a:effectRef>
+          <a:fontRef idx="minor">
+            <a:schemeClr val="dk1"/>
+          </a:fontRef>
+        </p:style>
+        <p:txBody>
+          <a:bodyPr rtlCol="0" anchor="ctr"/>
+          <a:lstStyle/>
+          <a:p>
+            <a:pPr algn="ctr"/>
+            <a:endParaRPr lang="en-US"/>
+          </a:p>
+        </p:txBody>
+      </p:sp>
+      <p:sp>
+        <p:nvSpPr>
+          <p:cNvPr id="6" name="Rectangle 5">
+            <a:extLst>
+              <a:ext uri="{FF2B5EF4-FFF2-40B4-BE49-F238E27FC236}">
+                <a16:creationId xmlns:a16="http://schemas.microsoft.com/office/drawing/2014/main" id="{A0CF5448-A785-CE15-00F6-D7864766B27F}"/>
+              </a:ext>
+            </a:extLst>
+          </p:cNvPr>
+          <p:cNvSpPr/>
+          <p:nvPr/>
+        </p:nvSpPr>
+        <p:spPr>
+          <a:xfrm>
+            <a:off x="8193024" y="1746504"/>
+            <a:ext cx="2240280" cy="704088"/>
+          </a:xfrm>
+          <a:prstGeom prst="rect">
+            <a:avLst/>
+          </a:prstGeom>
+        </p:spPr>
+        <p:style>
+          <a:lnRef idx="2">
+            <a:schemeClr val="accent1">
+              <a:shade val="50000"/>
+            </a:schemeClr>
+          </a:lnRef>
+          <a:fillRef idx="1">
+            <a:schemeClr val="accent1"/>
+          </a:fillRef>
+          <a:effectRef idx="0">
+            <a:schemeClr val="accent1"/>
+          </a:effectRef>
+          <a:fontRef idx="minor">
+            <a:schemeClr val="lt1"/>
+          </a:fontRef>
+        </p:style>
+        <p:txBody>
+          <a:bodyPr rtlCol="0" anchor="ctr"/>
+          <a:lstStyle/>
+          <a:p>
+            <a:pPr algn="ctr"/>
+            <a:r>
+              <a:rPr lang="en-US"/>
+              <a:t>LapTrinhVien</a:t>
+            </a:r>
+          </a:p>
+        </p:txBody>
+      </p:sp>
+      <p:sp>
+        <p:nvSpPr>
+          <p:cNvPr id="9" name="TextBox 8">
+            <a:extLst>
+              <a:ext uri="{FF2B5EF4-FFF2-40B4-BE49-F238E27FC236}">
+                <a16:creationId xmlns:a16="http://schemas.microsoft.com/office/drawing/2014/main" id="{9A36EEC2-8242-6040-D699-C656EF111CBD}"/>
+              </a:ext>
+            </a:extLst>
+          </p:cNvPr>
+          <p:cNvSpPr txBox="1"/>
+          <p:nvPr/>
+        </p:nvSpPr>
+        <p:spPr>
+          <a:xfrm>
+            <a:off x="333756" y="137160"/>
+            <a:ext cx="7525512" cy="830997"/>
+          </a:xfrm>
+          <a:prstGeom prst="rect">
+            <a:avLst/>
+          </a:prstGeom>
+          <a:noFill/>
+        </p:spPr>
+        <p:txBody>
+          <a:bodyPr wrap="square" rtlCol="0">
+            <a:spAutoFit/>
+          </a:bodyPr>
+          <a:lstStyle/>
+          <a:p>
+            <a:r>
+              <a:rPr lang="en-US" sz="1600"/>
+              <a:t>&lt;&lt;static&gt;&gt; soLuongLapTrinhVien: int</a:t>
+            </a:r>
+          </a:p>
+          <a:p>
+            <a:r>
+              <a:rPr lang="en-US" sz="1600"/>
+              <a:t>soGioLamThem:Time</a:t>
+            </a:r>
+          </a:p>
+          <a:p>
+            <a:r>
+              <a:rPr lang="en-US" sz="1600"/>
+              <a:t>luongNgoaiGio:TienLuong</a:t>
+            </a:r>
+          </a:p>
+        </p:txBody>
+      </p:sp>
+      <p:cxnSp>
+        <p:nvCxnSpPr>
+          <p:cNvPr id="13" name="Straight Connector 12">
+            <a:extLst>
+              <a:ext uri="{FF2B5EF4-FFF2-40B4-BE49-F238E27FC236}">
+                <a16:creationId xmlns:a16="http://schemas.microsoft.com/office/drawing/2014/main" id="{3589E01D-AFD7-1AA9-AA44-61D6D529E910}"/>
+              </a:ext>
+            </a:extLst>
+          </p:cNvPr>
+          <p:cNvCxnSpPr>
+            <a:cxnSpLocks/>
+          </p:cNvCxnSpPr>
+          <p:nvPr/>
+        </p:nvCxnSpPr>
+        <p:spPr>
+          <a:xfrm flipV="1">
+            <a:off x="242142" y="1073313"/>
+            <a:ext cx="7617125" cy="10251"/>
+          </a:xfrm>
+          <a:prstGeom prst="line">
+            <a:avLst/>
+          </a:prstGeom>
+        </p:spPr>
+        <p:style>
+          <a:lnRef idx="1">
+            <a:schemeClr val="accent1"/>
+          </a:lnRef>
+          <a:fillRef idx="0">
+            <a:schemeClr val="accent1"/>
+          </a:fillRef>
+          <a:effectRef idx="0">
+            <a:schemeClr val="accent1"/>
+          </a:effectRef>
+          <a:fontRef idx="minor">
+            <a:schemeClr val="tx1"/>
+          </a:fontRef>
+        </p:style>
+      </p:cxnSp>
+      <p:sp>
+        <p:nvSpPr>
+          <p:cNvPr id="15" name="TextBox 14">
+            <a:extLst>
+              <a:ext uri="{FF2B5EF4-FFF2-40B4-BE49-F238E27FC236}">
+                <a16:creationId xmlns:a16="http://schemas.microsoft.com/office/drawing/2014/main" id="{F24F33EA-D626-D2EE-0A6C-B87EE21FF05A}"/>
+              </a:ext>
+            </a:extLst>
+          </p:cNvPr>
+          <p:cNvSpPr txBox="1"/>
+          <p:nvPr/>
+        </p:nvSpPr>
+        <p:spPr>
+          <a:xfrm>
+            <a:off x="333756" y="1083564"/>
+            <a:ext cx="7452360" cy="4801314"/>
+          </a:xfrm>
+          <a:prstGeom prst="rect">
+            <a:avLst/>
+          </a:prstGeom>
+          <a:noFill/>
+        </p:spPr>
+        <p:txBody>
+          <a:bodyPr wrap="square" rtlCol="0">
+            <a:spAutoFit/>
+          </a:bodyPr>
+          <a:lstStyle/>
+          <a:p>
+            <a:r>
+              <a:rPr lang="en-US"/>
+              <a:t>+LapTrinhVien(soGioLamThem:Time,luongNgoaiGio:TienLuong,</a:t>
+            </a:r>
+            <a:r>
+              <a:rPr lang="en-US" sz="1800"/>
+              <a:t>hoVaTen:string,diaChi:string,tuoi:string,ngaySinh:DateTime,soDienThoai:int,maNhanVien:string,namKinhNghiem:int,luongCoBan:TienLuong)</a:t>
+            </a:r>
+          </a:p>
+          <a:p>
+            <a:r>
+              <a:rPr lang="en-US" sz="1800"/>
+              <a:t>+ setLuongNgoaiGio(luongNgoaiGio:TienLuong</a:t>
+            </a:r>
+            <a:r>
+              <a:rPr lang="en-US"/>
+              <a:t>):void</a:t>
+            </a:r>
+          </a:p>
+          <a:p>
+            <a:r>
+              <a:rPr lang="en-US"/>
+              <a:t>+getLuongNgoaiGio(): TienLuong</a:t>
+            </a:r>
+          </a:p>
+          <a:p>
+            <a:r>
+              <a:rPr lang="en-US"/>
+              <a:t>+setSoGioLamThem(soGioLamThem:Time): void</a:t>
+            </a:r>
+          </a:p>
+          <a:p>
+            <a:r>
+              <a:rPr lang="en-US"/>
+              <a:t>+getSoGioLamThem():Time</a:t>
+            </a:r>
+          </a:p>
+          <a:p>
+            <a:r>
+              <a:rPr lang="en-US"/>
+              <a:t>+InSoLuongLapTrinhVien():int</a:t>
+            </a:r>
+          </a:p>
+          <a:p>
+            <a:r>
+              <a:rPr lang="en-US"/>
+              <a:t>+toString():string</a:t>
+            </a:r>
+          </a:p>
+          <a:p>
+            <a:r>
+              <a:rPr lang="en-US"/>
+              <a:t>+</a:t>
+            </a:r>
+            <a:r>
+              <a:rPr lang="en-US" b="1"/>
+              <a:t>NhapThongTin()</a:t>
+            </a:r>
+            <a:r>
+              <a:rPr lang="en-US"/>
+              <a:t>:void</a:t>
+            </a:r>
+          </a:p>
+          <a:p>
+            <a:r>
+              <a:rPr lang="en-US"/>
+              <a:t>+</a:t>
+            </a:r>
+            <a:r>
+              <a:rPr lang="en-US" b="1"/>
+              <a:t>TinhLuong()</a:t>
+            </a:r>
+            <a:r>
+              <a:rPr lang="en-US"/>
+              <a:t>:void</a:t>
+            </a:r>
+          </a:p>
+          <a:p>
+            <a:r>
+              <a:rPr lang="en-US"/>
+              <a:t>+</a:t>
+            </a:r>
+            <a:r>
+              <a:rPr lang="en-US" b="1"/>
+              <a:t>InThongTin()</a:t>
+            </a:r>
+            <a:r>
+              <a:rPr lang="en-US"/>
+              <a:t>:void</a:t>
+            </a:r>
+          </a:p>
+          <a:p>
+            <a:endParaRPr lang="en-US"/>
+          </a:p>
+          <a:p>
+            <a:endParaRPr lang="en-US"/>
+          </a:p>
+          <a:p>
+            <a:endParaRPr lang="en-US"/>
+          </a:p>
+          <a:p>
+            <a:endParaRPr lang="en-US"/>
+          </a:p>
+          <a:p>
+            <a:endParaRPr lang="en-US"/>
+          </a:p>
+        </p:txBody>
+      </p:sp>
+    </p:spTree>
+    <p:extLst>
+      <p:ext uri="{BB962C8B-B14F-4D97-AF65-F5344CB8AC3E}">
+        <p14:creationId xmlns:p14="http://schemas.microsoft.com/office/powerpoint/2010/main" val="557353373"/>
+      </p:ext>
+    </p:extLst>
+  </p:cSld>
+  <p:clrMapOvr>
+    <a:masterClrMapping/>
+  </p:clrMapOvr>
+</p:sld>
+</file>
+
+<file path=ppt/slides/slide4.xml><?xml version="1.0" encoding="utf-8"?>
+<p:sld xmlns:a="http://schemas.openxmlformats.org/drawingml/2006/main" xmlns:r="http://schemas.openxmlformats.org/officeDocument/2006/relationships" xmlns:p="http://schemas.openxmlformats.org/presentationml/2006/main">
+  <p:cSld>
+    <p:spTree>
+      <p:nvGrpSpPr>
+        <p:cNvPr id="1" name=""/>
+        <p:cNvGrpSpPr/>
+        <p:nvPr/>
+      </p:nvGrpSpPr>
+      <p:grpSpPr>
+        <a:xfrm>
+          <a:off x="0" y="0"/>
+          <a:ext cx="0" cy="0"/>
+          <a:chOff x="0" y="0"/>
+          <a:chExt cx="0" cy="0"/>
+        </a:xfrm>
+      </p:grpSpPr>
+      <p:sp>
+        <p:nvSpPr>
+          <p:cNvPr id="4" name="Rectangle 3">
+            <a:extLst>
+              <a:ext uri="{FF2B5EF4-FFF2-40B4-BE49-F238E27FC236}">
+                <a16:creationId xmlns:a16="http://schemas.microsoft.com/office/drawing/2014/main" id="{2008C8D0-8AAE-BBBF-7A79-E14559A7D731}"/>
+              </a:ext>
+            </a:extLst>
+          </p:cNvPr>
+          <p:cNvSpPr/>
+          <p:nvPr/>
+        </p:nvSpPr>
+        <p:spPr>
+          <a:xfrm>
+            <a:off x="242143" y="137160"/>
+            <a:ext cx="7525513" cy="4025862"/>
+          </a:xfrm>
+          <a:prstGeom prst="rect">
+            <a:avLst/>
+          </a:prstGeom>
+        </p:spPr>
+        <p:style>
+          <a:lnRef idx="2">
+            <a:schemeClr val="dk1"/>
+          </a:lnRef>
+          <a:fillRef idx="1">
+            <a:schemeClr val="lt1"/>
+          </a:fillRef>
+          <a:effectRef idx="0">
+            <a:schemeClr val="dk1"/>
+          </a:effectRef>
+          <a:fontRef idx="minor">
+            <a:schemeClr val="dk1"/>
+          </a:fontRef>
+        </p:style>
+        <p:txBody>
+          <a:bodyPr rtlCol="0" anchor="ctr"/>
+          <a:lstStyle/>
+          <a:p>
+            <a:pPr algn="ctr"/>
+            <a:endParaRPr lang="en-US"/>
+          </a:p>
+        </p:txBody>
+      </p:sp>
+      <p:sp>
+        <p:nvSpPr>
+          <p:cNvPr id="6" name="Rectangle 5">
+            <a:extLst>
+              <a:ext uri="{FF2B5EF4-FFF2-40B4-BE49-F238E27FC236}">
+                <a16:creationId xmlns:a16="http://schemas.microsoft.com/office/drawing/2014/main" id="{A0CF5448-A785-CE15-00F6-D7864766B27F}"/>
+              </a:ext>
+            </a:extLst>
+          </p:cNvPr>
+          <p:cNvSpPr/>
+          <p:nvPr/>
+        </p:nvSpPr>
+        <p:spPr>
+          <a:xfrm>
+            <a:off x="8193024" y="1746504"/>
+            <a:ext cx="2240280" cy="704088"/>
+          </a:xfrm>
+          <a:prstGeom prst="rect">
+            <a:avLst/>
+          </a:prstGeom>
+        </p:spPr>
+        <p:style>
+          <a:lnRef idx="2">
+            <a:schemeClr val="accent1">
+              <a:shade val="50000"/>
+            </a:schemeClr>
+          </a:lnRef>
+          <a:fillRef idx="1">
+            <a:schemeClr val="accent1"/>
+          </a:fillRef>
+          <a:effectRef idx="0">
+            <a:schemeClr val="accent1"/>
+          </a:effectRef>
+          <a:fontRef idx="minor">
+            <a:schemeClr val="lt1"/>
+          </a:fontRef>
+        </p:style>
+        <p:txBody>
+          <a:bodyPr rtlCol="0" anchor="ctr"/>
+          <a:lstStyle/>
+          <a:p>
+            <a:pPr algn="ctr"/>
+            <a:r>
+              <a:rPr lang="en-US"/>
+              <a:t>KiemChungVien</a:t>
+            </a:r>
+          </a:p>
+        </p:txBody>
+      </p:sp>
+      <p:sp>
+        <p:nvSpPr>
+          <p:cNvPr id="9" name="TextBox 8">
+            <a:extLst>
+              <a:ext uri="{FF2B5EF4-FFF2-40B4-BE49-F238E27FC236}">
+                <a16:creationId xmlns:a16="http://schemas.microsoft.com/office/drawing/2014/main" id="{9A36EEC2-8242-6040-D699-C656EF111CBD}"/>
+              </a:ext>
+            </a:extLst>
+          </p:cNvPr>
+          <p:cNvSpPr txBox="1"/>
+          <p:nvPr/>
+        </p:nvSpPr>
+        <p:spPr>
+          <a:xfrm>
+            <a:off x="333756" y="137160"/>
+            <a:ext cx="7525512" cy="830997"/>
+          </a:xfrm>
+          <a:prstGeom prst="rect">
+            <a:avLst/>
+          </a:prstGeom>
+          <a:noFill/>
+        </p:spPr>
+        <p:txBody>
+          <a:bodyPr wrap="square" rtlCol="0">
+            <a:spAutoFit/>
+          </a:bodyPr>
+          <a:lstStyle/>
+          <a:p>
+            <a:r>
+              <a:rPr lang="en-US" sz="1600"/>
+              <a:t>&lt;&lt;static&gt;&gt; soLuongKiemChungVien: int</a:t>
+            </a:r>
+          </a:p>
+          <a:p>
+            <a:r>
+              <a:rPr lang="en-US" sz="1600"/>
+              <a:t>soLoi:int</a:t>
+            </a:r>
+          </a:p>
+          <a:p>
+            <a:r>
+              <a:rPr lang="en-US" sz="1600"/>
+              <a:t>tienThuong:TienLuong</a:t>
+            </a:r>
+          </a:p>
+        </p:txBody>
+      </p:sp>
+      <p:cxnSp>
+        <p:nvCxnSpPr>
+          <p:cNvPr id="13" name="Straight Connector 12">
+            <a:extLst>
+              <a:ext uri="{FF2B5EF4-FFF2-40B4-BE49-F238E27FC236}">
+                <a16:creationId xmlns:a16="http://schemas.microsoft.com/office/drawing/2014/main" id="{3589E01D-AFD7-1AA9-AA44-61D6D529E910}"/>
+              </a:ext>
+            </a:extLst>
+          </p:cNvPr>
+          <p:cNvCxnSpPr>
+            <a:cxnSpLocks/>
+          </p:cNvCxnSpPr>
+          <p:nvPr/>
+        </p:nvCxnSpPr>
+        <p:spPr>
+          <a:xfrm flipV="1">
+            <a:off x="242142" y="1073313"/>
+            <a:ext cx="7617125" cy="10251"/>
+          </a:xfrm>
+          <a:prstGeom prst="line">
+            <a:avLst/>
+          </a:prstGeom>
+        </p:spPr>
+        <p:style>
+          <a:lnRef idx="1">
+            <a:schemeClr val="accent1"/>
+          </a:lnRef>
+          <a:fillRef idx="0">
+            <a:schemeClr val="accent1"/>
+          </a:fillRef>
+          <a:effectRef idx="0">
+            <a:schemeClr val="accent1"/>
+          </a:effectRef>
+          <a:fontRef idx="minor">
+            <a:schemeClr val="tx1"/>
+          </a:fontRef>
+        </p:style>
+      </p:cxnSp>
+      <p:sp>
+        <p:nvSpPr>
+          <p:cNvPr id="15" name="TextBox 14">
+            <a:extLst>
+              <a:ext uri="{FF2B5EF4-FFF2-40B4-BE49-F238E27FC236}">
+                <a16:creationId xmlns:a16="http://schemas.microsoft.com/office/drawing/2014/main" id="{F24F33EA-D626-D2EE-0A6C-B87EE21FF05A}"/>
+              </a:ext>
+            </a:extLst>
+          </p:cNvPr>
+          <p:cNvSpPr txBox="1"/>
+          <p:nvPr/>
+        </p:nvSpPr>
+        <p:spPr>
+          <a:xfrm>
+            <a:off x="333756" y="1083564"/>
+            <a:ext cx="7452360" cy="4524315"/>
+          </a:xfrm>
+          <a:prstGeom prst="rect">
+            <a:avLst/>
+          </a:prstGeom>
+          <a:noFill/>
+        </p:spPr>
+        <p:txBody>
+          <a:bodyPr wrap="square" rtlCol="0">
+            <a:spAutoFit/>
+          </a:bodyPr>
+          <a:lstStyle/>
+          <a:p>
+            <a:r>
+              <a:rPr lang="en-US"/>
+              <a:t>+KiemChungVien(</a:t>
+            </a:r>
+            <a:r>
+              <a:rPr lang="en-US" sz="1800"/>
+              <a:t>soLoi:int</a:t>
+            </a:r>
+            <a:r>
+              <a:rPr lang="en-US"/>
+              <a:t>,</a:t>
+            </a:r>
+            <a:r>
+              <a:rPr lang="en-US" sz="1800"/>
+              <a:t>tienThuong:TienLuong,hoVaTen:string,diaChi:string,tuoi:string,ngaySinh:DateTime,soDienThoai:int,maNhanVien:string,namKinhNghiem:int,luongCoBan:double)</a:t>
+            </a:r>
+          </a:p>
+          <a:p>
+            <a:r>
+              <a:rPr lang="en-US" sz="1800"/>
+              <a:t>+ setSoLoi(soLoi :int</a:t>
+            </a:r>
+            <a:r>
+              <a:rPr lang="en-US"/>
+              <a:t>):void</a:t>
+            </a:r>
+          </a:p>
+          <a:p>
+            <a:r>
+              <a:rPr lang="en-US"/>
+              <a:t>+getS</a:t>
+            </a:r>
+            <a:r>
+              <a:rPr lang="en-US" sz="1800"/>
+              <a:t>oLoi</a:t>
+            </a:r>
+            <a:r>
+              <a:rPr lang="en-US"/>
+              <a:t>(): int</a:t>
+            </a:r>
+          </a:p>
+          <a:p>
+            <a:r>
+              <a:rPr lang="en-US"/>
+              <a:t>+ set</a:t>
+            </a:r>
+            <a:r>
+              <a:rPr lang="en-US" sz="1800"/>
+              <a:t>TienThuong</a:t>
+            </a:r>
+            <a:r>
+              <a:rPr lang="en-US"/>
+              <a:t>(</a:t>
+            </a:r>
+            <a:r>
+              <a:rPr lang="en-US" sz="1800"/>
+              <a:t>tienThuong </a:t>
+            </a:r>
+            <a:r>
+              <a:rPr lang="en-US"/>
+              <a:t>:TienLuong): void</a:t>
+            </a:r>
+          </a:p>
+          <a:p>
+            <a:r>
+              <a:rPr lang="en-US"/>
+              <a:t>+getT</a:t>
+            </a:r>
+            <a:r>
+              <a:rPr lang="en-US" sz="1800"/>
+              <a:t>ienThuong</a:t>
+            </a:r>
+            <a:r>
+              <a:rPr lang="en-US"/>
+              <a:t>():TienLuong</a:t>
+            </a:r>
+          </a:p>
+          <a:p>
+            <a:r>
+              <a:rPr lang="en-US"/>
+              <a:t>+InS</a:t>
+            </a:r>
+            <a:r>
+              <a:rPr lang="en-US" sz="1800"/>
+              <a:t>oLuongKiemChungVien</a:t>
+            </a:r>
+            <a:r>
+              <a:rPr lang="en-US"/>
+              <a:t>():int</a:t>
+            </a:r>
+          </a:p>
+          <a:p>
+            <a:r>
+              <a:rPr lang="en-US"/>
+              <a:t>+</a:t>
+            </a:r>
+            <a:r>
+              <a:rPr lang="en-US" b="1"/>
+              <a:t>NhapThongTin()</a:t>
+            </a:r>
+            <a:r>
+              <a:rPr lang="en-US"/>
+              <a:t>:void</a:t>
+            </a:r>
+          </a:p>
+          <a:p>
+            <a:r>
+              <a:rPr lang="en-US"/>
+              <a:t>+</a:t>
+            </a:r>
+            <a:r>
+              <a:rPr lang="en-US" b="1"/>
+              <a:t>TinhLuong()</a:t>
+            </a:r>
+            <a:r>
+              <a:rPr lang="en-US"/>
+              <a:t>:void</a:t>
+            </a:r>
+          </a:p>
+          <a:p>
+            <a:r>
+              <a:rPr lang="en-US"/>
+              <a:t>+</a:t>
+            </a:r>
+            <a:r>
+              <a:rPr lang="en-US" b="1"/>
+              <a:t>InThongTin()</a:t>
+            </a:r>
+            <a:r>
+              <a:rPr lang="en-US"/>
+              <a:t>:void</a:t>
+            </a:r>
+          </a:p>
+          <a:p>
+            <a:endParaRPr lang="en-US"/>
+          </a:p>
+          <a:p>
+            <a:endParaRPr lang="en-US"/>
+          </a:p>
+          <a:p>
+            <a:endParaRPr lang="en-US"/>
+          </a:p>
+          <a:p>
+            <a:endParaRPr lang="en-US"/>
+          </a:p>
+          <a:p>
+            <a:endParaRPr lang="en-US"/>
+          </a:p>
+        </p:txBody>
+      </p:sp>
+    </p:spTree>
+    <p:extLst>
+      <p:ext uri="{BB962C8B-B14F-4D97-AF65-F5344CB8AC3E}">
+        <p14:creationId xmlns:p14="http://schemas.microsoft.com/office/powerpoint/2010/main" val="291431620"/>
+      </p:ext>
+    </p:extLst>
+  </p:cSld>
+  <p:clrMapOvr>
+    <a:masterClrMapping/>
+  </p:clrMapOvr>
+</p:sld>
+</file>
+
+<file path=ppt/slides/slide5.xml><?xml version="1.0" encoding="utf-8"?>
+<p:sld xmlns:a="http://schemas.openxmlformats.org/drawingml/2006/main" xmlns:r="http://schemas.openxmlformats.org/officeDocument/2006/relationships" xmlns:p="http://schemas.openxmlformats.org/presentationml/2006/main">
+  <p:cSld>
+    <p:spTree>
+      <p:nvGrpSpPr>
+        <p:cNvPr id="1" name=""/>
+        <p:cNvGrpSpPr/>
+        <p:nvPr/>
+      </p:nvGrpSpPr>
+      <p:grpSpPr>
+        <a:xfrm>
+          <a:off x="0" y="0"/>
+          <a:ext cx="0" cy="0"/>
+          <a:chOff x="0" y="0"/>
+          <a:chExt cx="0" cy="0"/>
+        </a:xfrm>
+      </p:grpSpPr>
+      <p:sp>
+        <p:nvSpPr>
+          <p:cNvPr id="5" name="Rectangle 4">
+            <a:extLst>
+              <a:ext uri="{FF2B5EF4-FFF2-40B4-BE49-F238E27FC236}">
+                <a16:creationId xmlns:a16="http://schemas.microsoft.com/office/drawing/2014/main" id="{9BE61E63-EC7D-41BD-3358-5B68590799C0}"/>
+              </a:ext>
+            </a:extLst>
+          </p:cNvPr>
+          <p:cNvSpPr/>
+          <p:nvPr/>
+        </p:nvSpPr>
+        <p:spPr>
+          <a:xfrm>
+            <a:off x="2487168" y="603504"/>
+            <a:ext cx="3255264" cy="2496312"/>
+          </a:xfrm>
+          <a:prstGeom prst="rect">
+            <a:avLst/>
+          </a:prstGeom>
+          <a:ln/>
+        </p:spPr>
+        <p:style>
+          <a:lnRef idx="2">
+            <a:schemeClr val="dk1"/>
+          </a:lnRef>
+          <a:fillRef idx="1">
+            <a:schemeClr val="lt1"/>
+          </a:fillRef>
+          <a:effectRef idx="0">
+            <a:schemeClr val="dk1"/>
+          </a:effectRef>
+          <a:fontRef idx="minor">
+            <a:schemeClr val="dk1"/>
+          </a:fontRef>
+        </p:style>
+        <p:txBody>
+          <a:bodyPr rtlCol="0" anchor="ctr"/>
+          <a:lstStyle/>
+          <a:p>
+            <a:pPr algn="ctr"/>
+            <a:endParaRPr lang="en-US"/>
+          </a:p>
+        </p:txBody>
+      </p:sp>
+      <p:sp>
+        <p:nvSpPr>
+          <p:cNvPr id="6" name="TextBox 5">
+            <a:extLst>
+              <a:ext uri="{FF2B5EF4-FFF2-40B4-BE49-F238E27FC236}">
+                <a16:creationId xmlns:a16="http://schemas.microsoft.com/office/drawing/2014/main" id="{315FF0B1-97AC-DED7-DCFB-78F785C5B8D3}"/>
+              </a:ext>
+            </a:extLst>
+          </p:cNvPr>
+          <p:cNvSpPr txBox="1"/>
+          <p:nvPr/>
+        </p:nvSpPr>
+        <p:spPr>
+          <a:xfrm>
+            <a:off x="2569464" y="777240"/>
+            <a:ext cx="3017520" cy="369332"/>
+          </a:xfrm>
+          <a:prstGeom prst="rect">
+            <a:avLst/>
+          </a:prstGeom>
+          <a:noFill/>
+        </p:spPr>
+        <p:txBody>
+          <a:bodyPr wrap="square" rtlCol="0">
+            <a:spAutoFit/>
+          </a:bodyPr>
+          <a:lstStyle/>
+          <a:p>
+            <a:r>
+              <a:rPr lang="en-US"/>
+              <a:t>tienLuong: double</a:t>
+            </a:r>
+          </a:p>
+        </p:txBody>
+      </p:sp>
+      <p:cxnSp>
+        <p:nvCxnSpPr>
+          <p:cNvPr id="8" name="Straight Connector 7">
+            <a:extLst>
+              <a:ext uri="{FF2B5EF4-FFF2-40B4-BE49-F238E27FC236}">
+                <a16:creationId xmlns:a16="http://schemas.microsoft.com/office/drawing/2014/main" id="{39036282-0391-183C-C545-0CBEE21D9C10}"/>
+              </a:ext>
+            </a:extLst>
+          </p:cNvPr>
+          <p:cNvCxnSpPr/>
+          <p:nvPr/>
+        </p:nvCxnSpPr>
+        <p:spPr>
+          <a:xfrm>
+            <a:off x="2487168" y="1146572"/>
+            <a:ext cx="3255264" cy="0"/>
+          </a:xfrm>
+          <a:prstGeom prst="line">
+            <a:avLst/>
+          </a:prstGeom>
+        </p:spPr>
+        <p:style>
+          <a:lnRef idx="1">
+            <a:schemeClr val="accent1"/>
+          </a:lnRef>
+          <a:fillRef idx="0">
+            <a:schemeClr val="accent1"/>
+          </a:fillRef>
+          <a:effectRef idx="0">
+            <a:schemeClr val="accent1"/>
+          </a:effectRef>
+          <a:fontRef idx="minor">
+            <a:schemeClr val="tx1"/>
+          </a:fontRef>
+        </p:style>
+      </p:cxnSp>
+      <p:sp>
+        <p:nvSpPr>
+          <p:cNvPr id="9" name="TextBox 8">
+            <a:extLst>
+              <a:ext uri="{FF2B5EF4-FFF2-40B4-BE49-F238E27FC236}">
+                <a16:creationId xmlns:a16="http://schemas.microsoft.com/office/drawing/2014/main" id="{B225E7E5-B6D4-7243-706D-D74DAEF75ABC}"/>
+              </a:ext>
+            </a:extLst>
+          </p:cNvPr>
+          <p:cNvSpPr txBox="1"/>
+          <p:nvPr/>
+        </p:nvSpPr>
+        <p:spPr>
+          <a:xfrm>
+            <a:off x="2569464" y="1307592"/>
+            <a:ext cx="3017520" cy="1138773"/>
+          </a:xfrm>
+          <a:prstGeom prst="rect">
+            <a:avLst/>
+          </a:prstGeom>
+          <a:noFill/>
+        </p:spPr>
+        <p:txBody>
+          <a:bodyPr wrap="square" rtlCol="0">
+            <a:spAutoFit/>
+          </a:bodyPr>
+          <a:lstStyle/>
+          <a:p>
+            <a:r>
+              <a:rPr lang="en-US" b="1"/>
+              <a:t>TienLuong():void</a:t>
+            </a:r>
+            <a:r>
+              <a:rPr lang="en-US"/>
+              <a:t>//</a:t>
+            </a:r>
+            <a:r>
+              <a:rPr lang="en-US" sz="1200"/>
+              <a:t>chuyển về định dạng tiền Việt Nam</a:t>
+            </a:r>
+          </a:p>
+          <a:p>
+            <a:r>
+              <a:rPr lang="en-US" sz="1400" b="1"/>
+              <a:t>OPERATOR +,-,&gt;,&lt;,= ():TienLuong</a:t>
+            </a:r>
+            <a:r>
+              <a:rPr lang="en-US" sz="1200"/>
+              <a:t>// nap chong toan tu tien luong</a:t>
+            </a:r>
+          </a:p>
+          <a:p>
+            <a:endParaRPr lang="en-US" sz="1200"/>
+          </a:p>
+        </p:txBody>
+      </p:sp>
+      <p:sp>
+        <p:nvSpPr>
+          <p:cNvPr id="10" name="Rectangle 9">
+            <a:extLst>
+              <a:ext uri="{FF2B5EF4-FFF2-40B4-BE49-F238E27FC236}">
+                <a16:creationId xmlns:a16="http://schemas.microsoft.com/office/drawing/2014/main" id="{FDFA6DBF-6BC7-4668-2929-8540768D91BE}"/>
+              </a:ext>
+            </a:extLst>
+          </p:cNvPr>
+          <p:cNvSpPr/>
+          <p:nvPr/>
+        </p:nvSpPr>
+        <p:spPr>
+          <a:xfrm>
+            <a:off x="7278624" y="1307592"/>
+            <a:ext cx="2157984" cy="649224"/>
+          </a:xfrm>
+          <a:prstGeom prst="rect">
+            <a:avLst/>
+          </a:prstGeom>
+        </p:spPr>
+        <p:style>
+          <a:lnRef idx="2">
+            <a:schemeClr val="accent1">
+              <a:shade val="50000"/>
+            </a:schemeClr>
+          </a:lnRef>
+          <a:fillRef idx="1">
+            <a:schemeClr val="accent1"/>
+          </a:fillRef>
+          <a:effectRef idx="0">
+            <a:schemeClr val="accent1"/>
+          </a:effectRef>
+          <a:fontRef idx="minor">
+            <a:schemeClr val="lt1"/>
+          </a:fontRef>
+        </p:style>
+        <p:txBody>
+          <a:bodyPr rtlCol="0" anchor="ctr"/>
+          <a:lstStyle/>
+          <a:p>
+            <a:pPr algn="ctr"/>
+            <a:r>
+              <a:rPr lang="en-US"/>
+              <a:t>TienLuong</a:t>
+            </a:r>
+          </a:p>
+        </p:txBody>
+      </p:sp>
+    </p:spTree>
+    <p:extLst>
+      <p:ext uri="{BB962C8B-B14F-4D97-AF65-F5344CB8AC3E}">
+        <p14:creationId xmlns:p14="http://schemas.microsoft.com/office/powerpoint/2010/main" val="1513209135"/>
       </p:ext>
     </p:extLst>
   </p:cSld>

--- a/DoAnCuoiKy/SoDoKhoi/SoDoKhoi.pptx
+++ b/DoAnCuoiKy/SoDoKhoi/SoDoKhoi.pptx
@@ -214,7 +214,7 @@
           <a:p>
             <a:fld id="{7FE607CF-8097-492D-8067-36265157932A}" type="datetimeFigureOut">
               <a:rPr lang="en-US" smtClean="0"/>
-              <a:t>11/10/2022</a:t>
+              <a:t>11/11/2022</a:t>
             </a:fld>
             <a:endParaRPr lang="en-US"/>
           </a:p>
@@ -712,7 +712,7 @@
           <a:p>
             <a:fld id="{2C79DD6B-EFFC-46B5-A1C8-44AB87E87B7C}" type="datetimeFigureOut">
               <a:rPr lang="en-US" smtClean="0"/>
-              <a:t>11/10/2022</a:t>
+              <a:t>11/11/2022</a:t>
             </a:fld>
             <a:endParaRPr lang="en-US"/>
           </a:p>
@@ -910,7 +910,7 @@
           <a:p>
             <a:fld id="{2C79DD6B-EFFC-46B5-A1C8-44AB87E87B7C}" type="datetimeFigureOut">
               <a:rPr lang="en-US" smtClean="0"/>
-              <a:t>11/10/2022</a:t>
+              <a:t>11/11/2022</a:t>
             </a:fld>
             <a:endParaRPr lang="en-US"/>
           </a:p>
@@ -1118,7 +1118,7 @@
           <a:p>
             <a:fld id="{2C79DD6B-EFFC-46B5-A1C8-44AB87E87B7C}" type="datetimeFigureOut">
               <a:rPr lang="en-US" smtClean="0"/>
-              <a:t>11/10/2022</a:t>
+              <a:t>11/11/2022</a:t>
             </a:fld>
             <a:endParaRPr lang="en-US"/>
           </a:p>
@@ -1316,7 +1316,7 @@
           <a:p>
             <a:fld id="{2C79DD6B-EFFC-46B5-A1C8-44AB87E87B7C}" type="datetimeFigureOut">
               <a:rPr lang="en-US" smtClean="0"/>
-              <a:t>11/10/2022</a:t>
+              <a:t>11/11/2022</a:t>
             </a:fld>
             <a:endParaRPr lang="en-US"/>
           </a:p>
@@ -1591,7 +1591,7 @@
           <a:p>
             <a:fld id="{2C79DD6B-EFFC-46B5-A1C8-44AB87E87B7C}" type="datetimeFigureOut">
               <a:rPr lang="en-US" smtClean="0"/>
-              <a:t>11/10/2022</a:t>
+              <a:t>11/11/2022</a:t>
             </a:fld>
             <a:endParaRPr lang="en-US"/>
           </a:p>
@@ -1856,7 +1856,7 @@
           <a:p>
             <a:fld id="{2C79DD6B-EFFC-46B5-A1C8-44AB87E87B7C}" type="datetimeFigureOut">
               <a:rPr lang="en-US" smtClean="0"/>
-              <a:t>11/10/2022</a:t>
+              <a:t>11/11/2022</a:t>
             </a:fld>
             <a:endParaRPr lang="en-US"/>
           </a:p>
@@ -2268,7 +2268,7 @@
           <a:p>
             <a:fld id="{2C79DD6B-EFFC-46B5-A1C8-44AB87E87B7C}" type="datetimeFigureOut">
               <a:rPr lang="en-US" smtClean="0"/>
-              <a:t>11/10/2022</a:t>
+              <a:t>11/11/2022</a:t>
             </a:fld>
             <a:endParaRPr lang="en-US"/>
           </a:p>
@@ -2409,7 +2409,7 @@
           <a:p>
             <a:fld id="{2C79DD6B-EFFC-46B5-A1C8-44AB87E87B7C}" type="datetimeFigureOut">
               <a:rPr lang="en-US" smtClean="0"/>
-              <a:t>11/10/2022</a:t>
+              <a:t>11/11/2022</a:t>
             </a:fld>
             <a:endParaRPr lang="en-US"/>
           </a:p>
@@ -2522,7 +2522,7 @@
           <a:p>
             <a:fld id="{2C79DD6B-EFFC-46B5-A1C8-44AB87E87B7C}" type="datetimeFigureOut">
               <a:rPr lang="en-US" smtClean="0"/>
-              <a:t>11/10/2022</a:t>
+              <a:t>11/11/2022</a:t>
             </a:fld>
             <a:endParaRPr lang="en-US"/>
           </a:p>
@@ -2833,7 +2833,7 @@
           <a:p>
             <a:fld id="{2C79DD6B-EFFC-46B5-A1C8-44AB87E87B7C}" type="datetimeFigureOut">
               <a:rPr lang="en-US" smtClean="0"/>
-              <a:t>11/10/2022</a:t>
+              <a:t>11/11/2022</a:t>
             </a:fld>
             <a:endParaRPr lang="en-US"/>
           </a:p>
@@ -3121,7 +3121,7 @@
           <a:p>
             <a:fld id="{2C79DD6B-EFFC-46B5-A1C8-44AB87E87B7C}" type="datetimeFigureOut">
               <a:rPr lang="en-US" smtClean="0"/>
-              <a:t>11/10/2022</a:t>
+              <a:t>11/11/2022</a:t>
             </a:fld>
             <a:endParaRPr lang="en-US"/>
           </a:p>
@@ -3362,7 +3362,7 @@
           <a:p>
             <a:fld id="{2C79DD6B-EFFC-46B5-A1C8-44AB87E87B7C}" type="datetimeFigureOut">
               <a:rPr lang="en-US" smtClean="0"/>
-              <a:t>11/10/2022</a:t>
+              <a:t>11/11/2022</a:t>
             </a:fld>
             <a:endParaRPr lang="en-US"/>
           </a:p>
@@ -5241,8 +5241,8 @@
         </p:nvSpPr>
         <p:spPr>
           <a:xfrm>
-            <a:off x="242143" y="137160"/>
-            <a:ext cx="7525513" cy="4025862"/>
+            <a:off x="91441" y="137160"/>
+            <a:ext cx="7676216" cy="4671060"/>
           </a:xfrm>
           <a:prstGeom prst="rect">
             <a:avLst/>
@@ -5420,7 +5420,7 @@
         <p:spPr>
           <a:xfrm>
             <a:off x="333756" y="1083564"/>
-            <a:ext cx="7452360" cy="4524315"/>
+            <a:ext cx="7452360" cy="4801314"/>
           </a:xfrm>
           <a:prstGeom prst="rect">
             <a:avLst/>
@@ -5522,6 +5522,20 @@
             <a:r>
               <a:rPr lang="en-US"/>
               <a:t>():int</a:t>
+            </a:r>
+          </a:p>
+          <a:p>
+            <a:r>
+              <a:rPr lang="en-US"/>
+              <a:t>+</a:t>
+            </a:r>
+            <a:r>
+              <a:rPr lang="en-US" b="1"/>
+              <a:t>toString()</a:t>
+            </a:r>
+            <a:r>
+              <a:rPr lang="en-US"/>
+              <a:t>:string </a:t>
             </a:r>
           </a:p>
           <a:p>
